--- a/Model_Versions/Uncertainty_SLR_GEV/Sensitivity_Analysis/Sobol/SALib/Output/Figures/Sobol_setup.pptx
+++ b/Model_Versions/Uncertainty_SLR_GEV/Sensitivity_Analysis/Sobol/SALib/Output/Figures/Sobol_setup.pptx
@@ -289,7 +289,7 @@
           <a:p>
             <a:fld id="{3C187E5C-C850-8043-9845-6806D25816AE}" type="datetimeFigureOut">
               <a:rPr lang="en-US" smtClean="0"/>
-              <a:t>2/26/16</a:t>
+              <a:t>7/10/16</a:t>
             </a:fld>
             <a:endParaRPr lang="en-US"/>
           </a:p>
@@ -459,7 +459,7 @@
           <a:p>
             <a:fld id="{3C187E5C-C850-8043-9845-6806D25816AE}" type="datetimeFigureOut">
               <a:rPr lang="en-US" smtClean="0"/>
-              <a:t>2/26/16</a:t>
+              <a:t>7/10/16</a:t>
             </a:fld>
             <a:endParaRPr lang="en-US"/>
           </a:p>
@@ -639,7 +639,7 @@
           <a:p>
             <a:fld id="{3C187E5C-C850-8043-9845-6806D25816AE}" type="datetimeFigureOut">
               <a:rPr lang="en-US" smtClean="0"/>
-              <a:t>2/26/16</a:t>
+              <a:t>7/10/16</a:t>
             </a:fld>
             <a:endParaRPr lang="en-US"/>
           </a:p>
@@ -809,7 +809,7 @@
           <a:p>
             <a:fld id="{3C187E5C-C850-8043-9845-6806D25816AE}" type="datetimeFigureOut">
               <a:rPr lang="en-US" smtClean="0"/>
-              <a:t>2/26/16</a:t>
+              <a:t>7/10/16</a:t>
             </a:fld>
             <a:endParaRPr lang="en-US"/>
           </a:p>
@@ -1055,7 +1055,7 @@
           <a:p>
             <a:fld id="{3C187E5C-C850-8043-9845-6806D25816AE}" type="datetimeFigureOut">
               <a:rPr lang="en-US" smtClean="0"/>
-              <a:t>2/26/16</a:t>
+              <a:t>7/10/16</a:t>
             </a:fld>
             <a:endParaRPr lang="en-US"/>
           </a:p>
@@ -1343,7 +1343,7 @@
           <a:p>
             <a:fld id="{3C187E5C-C850-8043-9845-6806D25816AE}" type="datetimeFigureOut">
               <a:rPr lang="en-US" smtClean="0"/>
-              <a:t>2/26/16</a:t>
+              <a:t>7/10/16</a:t>
             </a:fld>
             <a:endParaRPr lang="en-US"/>
           </a:p>
@@ -1770,7 +1770,7 @@
           <a:p>
             <a:fld id="{3C187E5C-C850-8043-9845-6806D25816AE}" type="datetimeFigureOut">
               <a:rPr lang="en-US" smtClean="0"/>
-              <a:t>2/26/16</a:t>
+              <a:t>7/10/16</a:t>
             </a:fld>
             <a:endParaRPr lang="en-US"/>
           </a:p>
@@ -1888,7 +1888,7 @@
           <a:p>
             <a:fld id="{3C187E5C-C850-8043-9845-6806D25816AE}" type="datetimeFigureOut">
               <a:rPr lang="en-US" smtClean="0"/>
-              <a:t>2/26/16</a:t>
+              <a:t>7/10/16</a:t>
             </a:fld>
             <a:endParaRPr lang="en-US"/>
           </a:p>
@@ -1983,7 +1983,7 @@
           <a:p>
             <a:fld id="{3C187E5C-C850-8043-9845-6806D25816AE}" type="datetimeFigureOut">
               <a:rPr lang="en-US" smtClean="0"/>
-              <a:t>2/26/16</a:t>
+              <a:t>7/10/16</a:t>
             </a:fld>
             <a:endParaRPr lang="en-US"/>
           </a:p>
@@ -2260,7 +2260,7 @@
           <a:p>
             <a:fld id="{3C187E5C-C850-8043-9845-6806D25816AE}" type="datetimeFigureOut">
               <a:rPr lang="en-US" smtClean="0"/>
-              <a:t>2/26/16</a:t>
+              <a:t>7/10/16</a:t>
             </a:fld>
             <a:endParaRPr lang="en-US"/>
           </a:p>
@@ -2513,7 +2513,7 @@
           <a:p>
             <a:fld id="{3C187E5C-C850-8043-9845-6806D25816AE}" type="datetimeFigureOut">
               <a:rPr lang="en-US" smtClean="0"/>
-              <a:t>2/26/16</a:t>
+              <a:t>7/10/16</a:t>
             </a:fld>
             <a:endParaRPr lang="en-US"/>
           </a:p>
@@ -2726,7 +2726,7 @@
           <a:p>
             <a:fld id="{3C187E5C-C850-8043-9845-6806D25816AE}" type="datetimeFigureOut">
               <a:rPr lang="en-US" smtClean="0"/>
-              <a:t>2/26/16</a:t>
+              <a:t>7/10/16</a:t>
             </a:fld>
             <a:endParaRPr lang="en-US"/>
           </a:p>
@@ -4167,7 +4167,7 @@
         <p:spPr>
           <a:xfrm>
             <a:off x="2985072" y="-42848"/>
-            <a:ext cx="1043876" cy="276999"/>
+            <a:ext cx="1518364" cy="276999"/>
           </a:xfrm>
           <a:prstGeom prst="rect">
             <a:avLst/>
@@ -4185,7 +4185,14 @@
                 <a:latin typeface="Helvetica"/>
                 <a:cs typeface="Helvetica"/>
               </a:rPr>
-              <a:t>B. Reliability</a:t>
+              <a:t>B. </a:t>
+            </a:r>
+            <a:r>
+              <a:rPr lang="en-US" sz="1200" smtClean="0">
+                <a:latin typeface="Helvetica"/>
+                <a:cs typeface="Helvetica"/>
+              </a:rPr>
+              <a:t>Flood probability</a:t>
             </a:r>
             <a:endParaRPr lang="en-US" sz="1200" dirty="0">
               <a:latin typeface="Helvetica"/>
@@ -4360,7 +4367,14 @@
                   <a:latin typeface="Helvetica"/>
                   <a:cs typeface="Helvetica"/>
                 </a:rPr>
-                <a:t>37%</a:t>
+                <a:t>95</a:t>
+              </a:r>
+              <a:r>
+                <a:rPr lang="en-US" sz="1000" dirty="0" smtClean="0">
+                  <a:latin typeface="Helvetica"/>
+                  <a:cs typeface="Helvetica"/>
+                </a:rPr>
+                <a:t>%</a:t>
               </a:r>
               <a:endParaRPr lang="en-US" sz="1000" dirty="0">
                 <a:latin typeface="Helvetica"/>
@@ -4379,7 +4393,7 @@
           </p:nvSpPr>
           <p:spPr>
             <a:xfrm flipH="1" flipV="1">
-              <a:off x="1210683" y="6909654"/>
+              <a:off x="1202986" y="6894260"/>
               <a:ext cx="36576" cy="41148"/>
             </a:xfrm>
             <a:prstGeom prst="ellipse">
@@ -4787,8 +4801,8 @@
           </p:nvSpPr>
           <p:spPr>
             <a:xfrm flipV="1">
-              <a:off x="2707838" y="6900178"/>
-              <a:ext cx="64008" cy="72009"/>
+              <a:off x="2638627" y="6827026"/>
+              <a:ext cx="146304" cy="146304"/>
             </a:xfrm>
             <a:prstGeom prst="ellipse">
               <a:avLst/>
@@ -4837,8 +4851,8 @@
           </p:nvSpPr>
           <p:spPr>
             <a:xfrm>
-              <a:off x="2572454" y="6506856"/>
-              <a:ext cx="370013" cy="246221"/>
+              <a:off x="2536794" y="6506856"/>
+              <a:ext cx="441334" cy="246221"/>
             </a:xfrm>
             <a:prstGeom prst="rect">
               <a:avLst/>
@@ -4853,11 +4867,11 @@
             <a:p>
               <a:pPr algn="ctr"/>
               <a:r>
-                <a:rPr lang="en-US" sz="1000" dirty="0">
+                <a:rPr lang="en-US" sz="1000" dirty="0" smtClean="0">
                   <a:latin typeface="Helvetica"/>
                   <a:cs typeface="Helvetica"/>
                 </a:rPr>
-                <a:t>5</a:t>
+                <a:t>29</a:t>
               </a:r>
               <a:r>
                 <a:rPr lang="en-US" sz="1000" dirty="0" smtClean="0">
